--- a/Report/181208_Modelicaによるドリップ式コーヒーのシステムシミュレーション_v2.pptx
+++ b/Report/181208_Modelicaによるドリップ式コーヒーのシステムシミュレーション_v2.pptx
@@ -6924,8 +6924,8 @@
         </p:nvSpPr>
         <p:spPr>
           <a:xfrm>
-            <a:off x="1884240" y="3504295"/>
-            <a:ext cx="8254183" cy="646331"/>
+            <a:off x="2505405" y="3504295"/>
+            <a:ext cx="7011856" cy="923330"/>
           </a:xfrm>
           <a:prstGeom prst="rect">
             <a:avLst/>
@@ -6939,20 +6939,36 @@
           <a:p>
             <a:pPr algn="ctr"/>
             <a:r>
+              <a:rPr lang="ja-JP" altLang="en-US" dirty="0"/>
+              <a:t>本日の資料は以下で公開しています</a:t>
+            </a:r>
+            <a:endParaRPr lang="en-US" altLang="ja-JP" dirty="0"/>
+          </a:p>
+          <a:p>
+            <a:pPr algn="ctr"/>
+            <a:r>
               <a:rPr lang="en-US" altLang="ja-JP" dirty="0" err="1"/>
               <a:t>Github</a:t>
             </a:r>
             <a:r>
+              <a:rPr lang="en-US" altLang="ja-JP" dirty="0"/>
+              <a:t> </a:t>
+            </a:r>
+            <a:r>
+              <a:rPr lang="en-US" altLang="ja-JP" dirty="0" err="1"/>
+              <a:t>UedaShigenori</a:t>
+            </a:r>
+            <a:r>
+              <a:rPr lang="en-US" altLang="ja-JP" dirty="0"/>
+              <a:t> </a:t>
+            </a:r>
+            <a:r>
+              <a:rPr lang="en-US" altLang="ja-JP" dirty="0" err="1"/>
+              <a:t>CoffeeTemperature</a:t>
+            </a:r>
+            <a:r>
               <a:rPr lang="ja-JP" altLang="en-US" dirty="0"/>
-              <a:t>上の</a:t>
-            </a:r>
-            <a:r>
-              <a:rPr lang="en-US" altLang="ja-JP" dirty="0"/>
-              <a:t>Modelica</a:t>
-            </a:r>
-            <a:r>
-              <a:rPr lang="ja-JP" altLang="en-US" dirty="0"/>
-              <a:t>ライブラリ勉強会アーカイブに本日の資料を公開します</a:t>
+              <a:t>で検索してください</a:t>
             </a:r>
             <a:endParaRPr lang="en-US" altLang="ja-JP" dirty="0"/>
           </a:p>
@@ -9954,8 +9970,8 @@
         </p:nvSpPr>
         <p:spPr>
           <a:xfrm>
-            <a:off x="2912533" y="839893"/>
-            <a:ext cx="5607625" cy="3970318"/>
+            <a:off x="2926080" y="460586"/>
+            <a:ext cx="5607625" cy="5840060"/>
           </a:xfrm>
           <a:prstGeom prst="rect">
             <a:avLst/>
@@ -9969,6 +9985,9 @@
           <a:lstStyle/>
           <a:p>
             <a:pPr marL="285750" indent="-285750">
+              <a:lnSpc>
+                <a:spcPct val="150000"/>
+              </a:lnSpc>
               <a:buFont typeface="Wingdings" panose="05000000000000000000" pitchFamily="2" charset="2"/>
               <a:buChar char="l"/>
             </a:pPr>
@@ -9980,6 +9999,9 @@
           </a:p>
           <a:p>
             <a:pPr marL="285750" indent="-285750">
+              <a:lnSpc>
+                <a:spcPct val="150000"/>
+              </a:lnSpc>
               <a:buFont typeface="Wingdings" panose="05000000000000000000" pitchFamily="2" charset="2"/>
               <a:buChar char="l"/>
             </a:pPr>
@@ -9991,6 +10013,9 @@
           </a:p>
           <a:p>
             <a:pPr marL="742950" lvl="1" indent="-285750">
+              <a:lnSpc>
+                <a:spcPct val="150000"/>
+              </a:lnSpc>
               <a:buFont typeface="Wingdings" panose="05000000000000000000" pitchFamily="2" charset="2"/>
               <a:buChar char="l"/>
             </a:pPr>
@@ -10002,6 +10027,9 @@
           </a:p>
           <a:p>
             <a:pPr marL="742950" lvl="1" indent="-285750">
+              <a:lnSpc>
+                <a:spcPct val="150000"/>
+              </a:lnSpc>
               <a:buFont typeface="Wingdings" panose="05000000000000000000" pitchFamily="2" charset="2"/>
               <a:buChar char="l"/>
             </a:pPr>
@@ -10013,6 +10041,9 @@
           </a:p>
           <a:p>
             <a:pPr marL="742950" lvl="1" indent="-285750">
+              <a:lnSpc>
+                <a:spcPct val="150000"/>
+              </a:lnSpc>
               <a:buFont typeface="Wingdings" panose="05000000000000000000" pitchFamily="2" charset="2"/>
               <a:buChar char="l"/>
             </a:pPr>
@@ -10028,6 +10059,9 @@
           </a:p>
           <a:p>
             <a:pPr marL="742950" lvl="1" indent="-285750">
+              <a:lnSpc>
+                <a:spcPct val="150000"/>
+              </a:lnSpc>
               <a:buFont typeface="Wingdings" panose="05000000000000000000" pitchFamily="2" charset="2"/>
               <a:buChar char="l"/>
             </a:pPr>
@@ -10039,6 +10073,9 @@
           </a:p>
           <a:p>
             <a:pPr marL="285750" indent="-285750">
+              <a:lnSpc>
+                <a:spcPct val="150000"/>
+              </a:lnSpc>
               <a:buFont typeface="Wingdings" panose="05000000000000000000" pitchFamily="2" charset="2"/>
               <a:buChar char="l"/>
             </a:pPr>
@@ -10158,7 +10195,7 @@
         <p:spPr>
           <a:xfrm>
             <a:off x="1001261" y="1232747"/>
-            <a:ext cx="10566400" cy="5509200"/>
+            <a:ext cx="10566400" cy="5262979"/>
           </a:xfrm>
           <a:prstGeom prst="rect">
             <a:avLst/>
@@ -10176,17 +10213,17 @@
               <a:buChar char="•"/>
             </a:pPr>
             <a:r>
-              <a:rPr kumimoji="1" lang="ja-JP" altLang="en-US" sz="3200" dirty="0"/>
+              <a:rPr kumimoji="1" lang="ja-JP" altLang="en-US" sz="2800" dirty="0"/>
               <a:t>食品業界や化学業界で製造工程で様々な物質の輸送、加熱などが行われている</a:t>
             </a:r>
-            <a:endParaRPr kumimoji="1" lang="en-US" altLang="ja-JP" sz="3200" dirty="0"/>
+            <a:endParaRPr kumimoji="1" lang="en-US" altLang="ja-JP" sz="2800" dirty="0"/>
           </a:p>
           <a:p>
             <a:pPr marL="285750" indent="-285750">
               <a:buFont typeface="Arial" panose="020B0604020202020204" pitchFamily="34" charset="0"/>
               <a:buChar char="•"/>
             </a:pPr>
-            <a:endParaRPr kumimoji="1" lang="en-US" altLang="ja-JP" sz="3200" dirty="0"/>
+            <a:endParaRPr kumimoji="1" lang="en-US" altLang="ja-JP" sz="2800" dirty="0"/>
           </a:p>
           <a:p>
             <a:pPr marL="285750" indent="-285750">
@@ -10194,29 +10231,29 @@
               <a:buChar char="•"/>
             </a:pPr>
             <a:r>
-              <a:rPr kumimoji="1" lang="en-US" altLang="ja-JP" sz="3200" dirty="0"/>
+              <a:rPr kumimoji="1" lang="en-US" altLang="ja-JP" sz="2800" dirty="0"/>
               <a:t>3D</a:t>
             </a:r>
             <a:r>
-              <a:rPr kumimoji="1" lang="ja-JP" altLang="en-US" sz="3200" dirty="0"/>
+              <a:rPr kumimoji="1" lang="ja-JP" altLang="en-US" sz="2800" dirty="0"/>
               <a:t> </a:t>
             </a:r>
             <a:r>
-              <a:rPr kumimoji="1" lang="en-US" altLang="ja-JP" sz="3200" dirty="0"/>
+              <a:rPr kumimoji="1" lang="en-US" altLang="ja-JP" sz="2800" dirty="0"/>
               <a:t>CAE</a:t>
             </a:r>
             <a:r>
-              <a:rPr kumimoji="1" lang="ja-JP" altLang="en-US" sz="3200" dirty="0"/>
+              <a:rPr kumimoji="1" lang="ja-JP" altLang="en-US" sz="2800" dirty="0"/>
               <a:t>にて、攪拌槽や圧力容器などの個々の機械の解析の事例は多いが、複数の製造工程を考慮したシステムシミュレーションは取り組み例が少ない。</a:t>
             </a:r>
-            <a:endParaRPr kumimoji="1" lang="en-US" altLang="ja-JP" sz="3200" dirty="0"/>
+            <a:endParaRPr kumimoji="1" lang="en-US" altLang="ja-JP" sz="2800" dirty="0"/>
           </a:p>
           <a:p>
             <a:pPr marL="285750" indent="-285750">
               <a:buFont typeface="Arial" panose="020B0604020202020204" pitchFamily="34" charset="0"/>
               <a:buChar char="•"/>
             </a:pPr>
-            <a:endParaRPr kumimoji="1" lang="en-US" altLang="ja-JP" sz="3200" dirty="0"/>
+            <a:endParaRPr kumimoji="1" lang="en-US" altLang="ja-JP" sz="2800" dirty="0"/>
           </a:p>
           <a:p>
             <a:pPr marL="285750" indent="-285750">
@@ -10224,16 +10261,46 @@
               <a:buChar char="•"/>
             </a:pPr>
             <a:r>
-              <a:rPr kumimoji="1" lang="ja-JP" altLang="en-US" sz="3200" dirty="0"/>
+              <a:rPr kumimoji="1" lang="ja-JP" altLang="en-US" sz="2800" dirty="0"/>
               <a:t>そこで、マルチドメイン、時間スケールの異なる現象の解析が有利な</a:t>
             </a:r>
             <a:r>
-              <a:rPr kumimoji="1" lang="en-US" altLang="ja-JP" sz="3200" dirty="0"/>
+              <a:rPr kumimoji="1" lang="en-US" altLang="ja-JP" sz="2800" dirty="0"/>
               <a:t>Modelica</a:t>
             </a:r>
             <a:r>
-              <a:rPr kumimoji="1" lang="ja-JP" altLang="en-US" sz="3200" dirty="0"/>
+              <a:rPr kumimoji="1" lang="ja-JP" altLang="en-US" sz="2800" dirty="0"/>
               <a:t>言語を用いて身近なコーヒーのドリップ現象の解析を行い、システムシミュレーションの可能性を探る</a:t>
+            </a:r>
+            <a:endParaRPr kumimoji="1" lang="en-US" altLang="ja-JP" sz="2800" dirty="0"/>
+          </a:p>
+          <a:p>
+            <a:pPr marL="285750" indent="-285750">
+              <a:buFont typeface="Arial" panose="020B0604020202020204" pitchFamily="34" charset="0"/>
+              <a:buChar char="•"/>
+            </a:pPr>
+            <a:endParaRPr kumimoji="1" lang="en-US" altLang="ja-JP" sz="2800" dirty="0"/>
+          </a:p>
+          <a:p>
+            <a:pPr marL="285750" indent="-285750">
+              <a:buFont typeface="Arial" panose="020B0604020202020204" pitchFamily="34" charset="0"/>
+              <a:buChar char="•"/>
+            </a:pPr>
+            <a:r>
+              <a:rPr kumimoji="1" lang="ja-JP" altLang="en-US" sz="2800" dirty="0"/>
+              <a:t>また、</a:t>
+            </a:r>
+            <a:r>
+              <a:rPr kumimoji="1" lang="en-US" altLang="ja-JP" sz="2800" dirty="0" err="1"/>
+              <a:t>MSL.Fluid</a:t>
+            </a:r>
+            <a:r>
+              <a:rPr kumimoji="1" lang="en-US" altLang="ja-JP" sz="2800" dirty="0"/>
+              <a:t>, Media</a:t>
+            </a:r>
+            <a:r>
+              <a:rPr kumimoji="1" lang="ja-JP" altLang="en-US" sz="2800" dirty="0"/>
+              <a:t>の使用方法や結果の妥当性を確認する</a:t>
             </a:r>
           </a:p>
         </p:txBody>
@@ -11445,8 +11512,8 @@
           </p:nvSpPr>
           <p:spPr>
             <a:xfrm>
-              <a:off x="5145492" y="2118556"/>
-              <a:ext cx="1534632" cy="467759"/>
+              <a:off x="4961192" y="2118556"/>
+              <a:ext cx="1903227" cy="467759"/>
             </a:xfrm>
             <a:prstGeom prst="rect">
               <a:avLst/>
@@ -11617,8 +11684,8 @@
           </p:nvCxnSpPr>
           <p:spPr>
             <a:xfrm>
-              <a:off x="5912808" y="2586315"/>
-              <a:ext cx="0" cy="270335"/>
+              <a:off x="5912805" y="2586315"/>
+              <a:ext cx="3" cy="270335"/>
             </a:xfrm>
             <a:prstGeom prst="straightConnector1">
               <a:avLst/>
@@ -15378,8 +15445,8 @@
           </a:fontRef>
         </p:style>
       </p:cxnSp>
-      <mc:AlternateContent xmlns:mc="http://schemas.openxmlformats.org/markup-compatibility/2006">
-        <mc:Choice xmlns:a14="http://schemas.microsoft.com/office/drawing/2010/main" Requires="a14">
+      <mc:AlternateContent xmlns:mc="http://schemas.openxmlformats.org/markup-compatibility/2006" xmlns:a14="http://schemas.microsoft.com/office/drawing/2010/main">
+        <mc:Choice Requires="a14">
           <p:sp>
             <p:nvSpPr>
               <p:cNvPr id="2" name="テキスト ボックス 1">
@@ -15408,6 +15475,7 @@
               </a:bodyPr>
               <a:lstStyle/>
               <a:p>
+                <a:pPr/>
                 <a14:m>
                   <m:oMathPara xmlns:m="http://schemas.openxmlformats.org/officeDocument/2006/math">
                     <m:oMathParaPr>
@@ -15701,7 +15769,7 @@
             </p:txBody>
           </p:sp>
         </mc:Choice>
-        <mc:Fallback>
+        <mc:Fallback xmlns="">
           <p:sp>
             <p:nvSpPr>
               <p:cNvPr id="2" name="テキスト ボックス 1">
@@ -15803,8 +15871,8 @@
           </a:p>
         </p:txBody>
       </p:sp>
-      <mc:AlternateContent xmlns:mc="http://schemas.openxmlformats.org/markup-compatibility/2006">
-        <mc:Choice xmlns:a14="http://schemas.microsoft.com/office/drawing/2010/main" Requires="a14">
+      <mc:AlternateContent xmlns:mc="http://schemas.openxmlformats.org/markup-compatibility/2006" xmlns:a14="http://schemas.microsoft.com/office/drawing/2010/main">
+        <mc:Choice Requires="a14">
           <p:sp>
             <p:nvSpPr>
               <p:cNvPr id="23" name="テキスト ボックス 22">
@@ -15833,6 +15901,7 @@
               </a:bodyPr>
               <a:lstStyle/>
               <a:p>
+                <a:pPr/>
                 <a14:m>
                   <m:oMathPara xmlns:m="http://schemas.openxmlformats.org/officeDocument/2006/math">
                     <m:oMathParaPr>
@@ -16030,7 +16099,7 @@
             </p:txBody>
           </p:sp>
         </mc:Choice>
-        <mc:Fallback>
+        <mc:Fallback xmlns="">
           <p:sp>
             <p:nvSpPr>
               <p:cNvPr id="23" name="テキスト ボックス 22">
@@ -16190,8 +16259,8 @@
           </a:p>
         </p:txBody>
       </p:sp>
-      <mc:AlternateContent xmlns:mc="http://schemas.openxmlformats.org/markup-compatibility/2006">
-        <mc:Choice xmlns:a14="http://schemas.microsoft.com/office/drawing/2010/main" Requires="a14">
+      <mc:AlternateContent xmlns:mc="http://schemas.openxmlformats.org/markup-compatibility/2006" xmlns:a14="http://schemas.microsoft.com/office/drawing/2010/main">
+        <mc:Choice Requires="a14">
           <p:sp>
             <p:nvSpPr>
               <p:cNvPr id="29" name="テキスト ボックス 28">
@@ -16220,6 +16289,7 @@
               </a:bodyPr>
               <a:lstStyle/>
               <a:p>
+                <a:pPr/>
                 <a14:m>
                   <m:oMathPara xmlns:m="http://schemas.openxmlformats.org/officeDocument/2006/math">
                     <m:oMathParaPr>
@@ -16277,7 +16347,7 @@
             </p:txBody>
           </p:sp>
         </mc:Choice>
-        <mc:Fallback>
+        <mc:Fallback xmlns="">
           <p:sp>
             <p:nvSpPr>
               <p:cNvPr id="29" name="テキスト ボックス 28">
